--- a/short_story_assignment/MLT for Dense Predictions.pptx
+++ b/short_story_assignment/MLT for Dense Predictions.pptx
@@ -10,7 +10,11 @@
     <p:sldId id="259" r:id="rId4"/>
     <p:sldId id="260" r:id="rId5"/>
     <p:sldId id="261" r:id="rId6"/>
-    <p:sldId id="257" r:id="rId7"/>
+    <p:sldId id="265" r:id="rId7"/>
+    <p:sldId id="263" r:id="rId8"/>
+    <p:sldId id="266" r:id="rId9"/>
+    <p:sldId id="257" r:id="rId10"/>
+    <p:sldId id="262" r:id="rId11"/>
   </p:sldIdLst>
   <p:sldSz cx="12192000" cy="6858000"/>
   <p:notesSz cx="6858000" cy="9144000"/>
@@ -109,6 +113,11 @@
       </a:defRPr>
     </a:lvl9pPr>
   </p:defaultTextStyle>
+  <p:extLst>
+    <p:ext uri="{EFAFB233-063F-42B5-8137-9DF3F51BA10A}">
+      <p15:sldGuideLst xmlns:p15="http://schemas.microsoft.com/office/powerpoint/2012/main"/>
+    </p:ext>
+  </p:extLst>
 </p:presentation>
 </file>
 
@@ -338,7 +347,7 @@
           <a:p>
             <a:fld id="{AE3425CA-4B9D-4420-BB9E-C250DB30E421}" type="datetime1">
               <a:rPr lang="en-US" smtClean="0"/>
-              <a:t>11/27/2021</a:t>
+              <a:t>11/28/2021</a:t>
             </a:fld>
             <a:endParaRPr lang="en-US"/>
           </a:p>
@@ -546,7 +555,7 @@
           <a:p>
             <a:fld id="{6A14B861-3779-4E37-8DF0-E9EB3EA96210}" type="datetime1">
               <a:rPr lang="en-US" smtClean="0"/>
-              <a:t>11/27/2021</a:t>
+              <a:t>11/28/2021</a:t>
             </a:fld>
             <a:endParaRPr lang="en-US"/>
           </a:p>
@@ -802,7 +811,7 @@
           <a:p>
             <a:fld id="{53E38388-E864-4553-9937-AE9FC5E50CFC}" type="datetime1">
               <a:rPr lang="en-US" smtClean="0"/>
-              <a:t>11/27/2021</a:t>
+              <a:t>11/28/2021</a:t>
             </a:fld>
             <a:endParaRPr lang="en-US"/>
           </a:p>
@@ -976,7 +985,7 @@
           <a:p>
             <a:fld id="{62751E1E-C50D-4FD4-8B1E-ECD78340D9AB}" type="datetime1">
               <a:rPr lang="en-US" smtClean="0"/>
-              <a:t>11/27/2021</a:t>
+              <a:t>11/28/2021</a:t>
             </a:fld>
             <a:endParaRPr lang="en-US"/>
           </a:p>
@@ -1319,7 +1328,7 @@
           <a:p>
             <a:fld id="{43C83AFB-9E54-459E-8C6D-0913AC3BA5D7}" type="datetime1">
               <a:rPr lang="en-US" smtClean="0"/>
-              <a:t>11/27/2021</a:t>
+              <a:t>11/28/2021</a:t>
             </a:fld>
             <a:endParaRPr lang="en-US"/>
           </a:p>
@@ -1594,7 +1603,7 @@
           <a:p>
             <a:fld id="{F10144B6-0CA7-46BA-A00B-1E68E5C3ED0C}" type="datetime1">
               <a:rPr lang="en-US" smtClean="0"/>
-              <a:t>11/27/2021</a:t>
+              <a:t>11/28/2021</a:t>
             </a:fld>
             <a:endParaRPr lang="en-US"/>
           </a:p>
@@ -1973,7 +1982,7 @@
           <a:p>
             <a:fld id="{0051F549-537C-41EC-B9CC-5B6A9AC2A6A7}" type="datetime1">
               <a:rPr lang="en-US" smtClean="0"/>
-              <a:t>11/27/2021</a:t>
+              <a:t>11/28/2021</a:t>
             </a:fld>
             <a:endParaRPr lang="en-US"/>
           </a:p>
@@ -2091,7 +2100,7 @@
           <a:p>
             <a:fld id="{952F8D56-3D0E-48B8-8218-1F3A06A96C62}" type="datetime1">
               <a:rPr lang="en-US" smtClean="0"/>
-              <a:t>11/27/2021</a:t>
+              <a:t>11/28/2021</a:t>
             </a:fld>
             <a:endParaRPr lang="en-US"/>
           </a:p>
@@ -2262,7 +2271,7 @@
           <a:p>
             <a:fld id="{E8EC309E-27D4-401F-A74A-DEA16C7B51DC}" type="datetime1">
               <a:rPr lang="en-US" smtClean="0"/>
-              <a:t>11/27/2021</a:t>
+              <a:t>11/28/2021</a:t>
             </a:fld>
             <a:endParaRPr lang="en-US"/>
           </a:p>
@@ -2616,7 +2625,7 @@
           <a:p>
             <a:fld id="{6DEA2B81-2BC3-42D7-B67D-05C685AA80AD}" type="datetime1">
               <a:rPr lang="en-US" smtClean="0"/>
-              <a:t>11/27/2021</a:t>
+              <a:t>11/28/2021</a:t>
             </a:fld>
             <a:endParaRPr lang="en-US"/>
           </a:p>
@@ -2998,7 +3007,7 @@
           <a:p>
             <a:fld id="{F0DB8F2B-E487-4905-B553-FB649F2B6F23}" type="datetime1">
               <a:rPr lang="en-US" smtClean="0"/>
-              <a:t>11/27/2021</a:t>
+              <a:t>11/28/2021</a:t>
             </a:fld>
             <a:endParaRPr lang="en-US"/>
           </a:p>
@@ -3285,7 +3294,7 @@
           <a:p>
             <a:fld id="{6EF7C3A7-D6F6-4D38-A7C3-B72967BB81A6}" type="datetime1">
               <a:rPr lang="en-US" smtClean="0"/>
-              <a:t>11/27/2021</a:t>
+              <a:t>11/28/2021</a:t>
             </a:fld>
             <a:endParaRPr lang="en-US"/>
           </a:p>
@@ -4249,7 +4258,7 @@
 </p:sld>
 </file>
 
-<file path=ppt/slides/slide2.xml><?xml version="1.0" encoding="utf-8"?>
+<file path=ppt/slides/slide10.xml><?xml version="1.0" encoding="utf-8"?>
 <p:sld xmlns:a="http://schemas.openxmlformats.org/drawingml/2006/main" xmlns:r="http://schemas.openxmlformats.org/officeDocument/2006/relationships" xmlns:p="http://schemas.openxmlformats.org/presentationml/2006/main">
   <p:cSld>
     <p:spTree>
@@ -4271,6 +4280,148 @@
           <p:cNvPr id="2" name="Title 1">
             <a:extLst>
               <a:ext uri="{FF2B5EF4-FFF2-40B4-BE49-F238E27FC236}">
+                <a16:creationId xmlns:a16="http://schemas.microsoft.com/office/drawing/2014/main" id="{B2EA6F19-39C3-4E83-8312-D4B253324DC8}"/>
+              </a:ext>
+            </a:extLst>
+          </p:cNvPr>
+          <p:cNvSpPr>
+            <a:spLocks noGrp="1"/>
+          </p:cNvSpPr>
+          <p:nvPr>
+            <p:ph type="title"/>
+          </p:nvPr>
+        </p:nvSpPr>
+        <p:spPr/>
+        <p:txBody>
+          <a:bodyPr/>
+          <a:lstStyle/>
+          <a:p>
+            <a:r>
+              <a:rPr lang="en-US" dirty="0"/>
+              <a:t>References</a:t>
+            </a:r>
+          </a:p>
+        </p:txBody>
+      </p:sp>
+      <p:sp>
+        <p:nvSpPr>
+          <p:cNvPr id="3" name="Content Placeholder 2">
+            <a:extLst>
+              <a:ext uri="{FF2B5EF4-FFF2-40B4-BE49-F238E27FC236}">
+                <a16:creationId xmlns:a16="http://schemas.microsoft.com/office/drawing/2014/main" id="{F1157C3C-3491-4405-ADD1-261C9C0DFB56}"/>
+              </a:ext>
+            </a:extLst>
+          </p:cNvPr>
+          <p:cNvSpPr>
+            <a:spLocks noGrp="1"/>
+          </p:cNvSpPr>
+          <p:nvPr>
+            <p:ph idx="1"/>
+          </p:nvPr>
+        </p:nvSpPr>
+        <p:spPr/>
+        <p:txBody>
+          <a:bodyPr/>
+          <a:lstStyle/>
+          <a:p>
+            <a:r>
+              <a:rPr lang="en-US" dirty="0"/>
+              <a:t>[1] An All-In-One Convolutional Neural Network for Face Analysis - Scientific Figure on ResearchGate. Available from: https://www.researchgate.net/figure/A-general-multitask-learning-framework-for-deep-CNN-architecture-The-lower-layers-are_fig1_309663347 [accessed 28 Nov, 2021]</a:t>
+            </a:r>
+          </a:p>
+          <a:p>
+            <a:r>
+              <a:rPr lang="en-US" dirty="0"/>
+              <a:t>[2]</a:t>
+            </a:r>
+            <a:r>
+              <a:rPr lang="en-US" b="0" i="0" dirty="0">
+                <a:solidFill>
+                  <a:srgbClr val="2E414F"/>
+                </a:solidFill>
+                <a:effectLst/>
+                <a:latin typeface="Roboto" pitchFamily="2" charset="0"/>
+              </a:rPr>
+              <a:t> </a:t>
+            </a:r>
+            <a:r>
+              <a:rPr lang="en-US" dirty="0" err="1"/>
+              <a:t>Vandenhende</a:t>
+            </a:r>
+            <a:r>
+              <a:rPr lang="en-US" dirty="0"/>
+              <a:t>, S., </a:t>
+            </a:r>
+            <a:r>
+              <a:rPr lang="en-US" dirty="0" err="1"/>
+              <a:t>Georgoulis</a:t>
+            </a:r>
+            <a:r>
+              <a:rPr lang="en-US" dirty="0"/>
+              <a:t>, S., Van </a:t>
+            </a:r>
+            <a:r>
+              <a:rPr lang="en-US" dirty="0" err="1"/>
+              <a:t>Gansbeke</a:t>
+            </a:r>
+            <a:r>
+              <a:rPr lang="en-US" dirty="0"/>
+              <a:t>, W., </a:t>
+            </a:r>
+            <a:r>
+              <a:rPr lang="en-US" dirty="0" err="1"/>
+              <a:t>Proesmans</a:t>
+            </a:r>
+            <a:r>
+              <a:rPr lang="en-US" dirty="0"/>
+              <a:t>, M., Dai, D., &amp; Gool, L.V. (2021). Multi-Task Learning for Dense Prediction Tasks: A Survey. IEEE transactions on pattern analysis and machine intelligence, PP.</a:t>
+            </a:r>
+          </a:p>
+        </p:txBody>
+      </p:sp>
+    </p:spTree>
+    <p:extLst>
+      <p:ext uri="{BB962C8B-B14F-4D97-AF65-F5344CB8AC3E}">
+        <p14:creationId xmlns:p14="http://schemas.microsoft.com/office/powerpoint/2010/main" val="1877758339"/>
+      </p:ext>
+    </p:extLst>
+  </p:cSld>
+  <p:clrMapOvr>
+    <a:masterClrMapping/>
+  </p:clrMapOvr>
+</p:sld>
+</file>
+
+<file path=ppt/slides/slide2.xml><?xml version="1.0" encoding="utf-8"?>
+<p:sld xmlns:a="http://schemas.openxmlformats.org/drawingml/2006/main" xmlns:r="http://schemas.openxmlformats.org/officeDocument/2006/relationships" xmlns:p="http://schemas.openxmlformats.org/presentationml/2006/main">
+  <p:cSld>
+    <p:bg>
+      <p:bgPr>
+        <a:solidFill>
+          <a:schemeClr val="bg1"/>
+        </a:solidFill>
+        <a:effectLst/>
+      </p:bgPr>
+    </p:bg>
+    <p:spTree>
+      <p:nvGrpSpPr>
+        <p:cNvPr id="1" name=""/>
+        <p:cNvGrpSpPr/>
+        <p:nvPr/>
+      </p:nvGrpSpPr>
+      <p:grpSpPr>
+        <a:xfrm>
+          <a:off x="0" y="0"/>
+          <a:ext cx="0" cy="0"/>
+          <a:chOff x="0" y="0"/>
+          <a:chExt cx="0" cy="0"/>
+        </a:xfrm>
+      </p:grpSpPr>
+      <p:sp>
+        <p:nvSpPr>
+          <p:cNvPr id="2" name="Title 1">
+            <a:extLst>
+              <a:ext uri="{FF2B5EF4-FFF2-40B4-BE49-F238E27FC236}">
                 <a16:creationId xmlns:a16="http://schemas.microsoft.com/office/drawing/2014/main" id="{EE21610E-5AA2-4D90-B740-4B544617BE81}"/>
               </a:ext>
             </a:extLst>
@@ -4282,12 +4433,22 @@
             <p:ph type="title"/>
           </p:nvPr>
         </p:nvSpPr>
-        <p:spPr/>
-        <p:txBody>
-          <a:bodyPr/>
+        <p:spPr>
+          <a:xfrm>
+            <a:off x="1097280" y="286603"/>
+            <a:ext cx="10058400" cy="1450757"/>
+          </a:xfrm>
+        </p:spPr>
+        <p:txBody>
+          <a:bodyPr>
+            <a:normAutofit/>
+          </a:bodyPr>
           <a:lstStyle/>
           <a:p>
-            <a:endParaRPr lang="en-US"/>
+            <a:r>
+              <a:rPr lang="en-US"/>
+              <a:t>What is MLT?</a:t>
+            </a:r>
           </a:p>
         </p:txBody>
       </p:sp>
@@ -4307,15 +4468,86 @@
             <p:ph idx="1"/>
           </p:nvPr>
         </p:nvSpPr>
-        <p:spPr/>
-        <p:txBody>
-          <a:bodyPr/>
+        <p:spPr>
+          <a:xfrm>
+            <a:off x="1097279" y="1845734"/>
+            <a:ext cx="6454987" cy="4023360"/>
+          </a:xfrm>
+        </p:spPr>
+        <p:txBody>
+          <a:bodyPr>
+            <a:normAutofit/>
+          </a:bodyPr>
           <a:lstStyle/>
           <a:p>
-            <a:endParaRPr lang="en-US"/>
-          </a:p>
-        </p:txBody>
-      </p:sp>
+            <a:r>
+              <a:rPr lang="en-US" dirty="0"/>
+              <a:t>Multi-Task Learning(MLT) is a family of techniques that are designed to learn multiple tasks at the same time</a:t>
+            </a:r>
+          </a:p>
+          <a:p>
+            <a:r>
+              <a:rPr lang="en-US" dirty="0"/>
+              <a:t>MLT relies on identifying a common representation from different datasets that can solve multiple tasks at different layers of abstraction</a:t>
+            </a:r>
+          </a:p>
+          <a:p>
+            <a:r>
+              <a:rPr lang="en-US" dirty="0"/>
+              <a:t>Task specific layers are then applied on the data to ensure that the model can solve multiple tasks at the same time</a:t>
+            </a:r>
+          </a:p>
+          <a:p>
+            <a:endParaRPr lang="en-US" dirty="0"/>
+          </a:p>
+        </p:txBody>
+      </p:sp>
+      <p:pic>
+        <p:nvPicPr>
+          <p:cNvPr id="11" name="Picture 2" descr="A general multitask learning framework for deep CNN architecture. The... |  Download Scientific Diagram">
+            <a:extLst>
+              <a:ext uri="{FF2B5EF4-FFF2-40B4-BE49-F238E27FC236}">
+                <a16:creationId xmlns:a16="http://schemas.microsoft.com/office/drawing/2014/main" id="{FC2F1692-6FA3-4B95-A390-BC680240F180}"/>
+              </a:ext>
+            </a:extLst>
+          </p:cNvPr>
+          <p:cNvPicPr>
+            <a:picLocks noChangeAspect="1" noChangeArrowheads="1"/>
+          </p:cNvPicPr>
+          <p:nvPr/>
+        </p:nvPicPr>
+        <p:blipFill>
+          <a:blip r:embed="rId2">
+            <a:extLst>
+              <a:ext uri="{28A0092B-C50C-407E-A947-70E740481C1C}">
+                <a14:useLocalDpi xmlns:a14="http://schemas.microsoft.com/office/drawing/2010/main" val="0"/>
+              </a:ext>
+            </a:extLst>
+          </a:blip>
+          <a:stretch>
+            <a:fillRect/>
+          </a:stretch>
+        </p:blipFill>
+        <p:spPr bwMode="auto">
+          <a:xfrm>
+            <a:off x="7155422" y="2558465"/>
+            <a:ext cx="4916140" cy="2562176"/>
+          </a:xfrm>
+          <a:prstGeom prst="rect">
+            <a:avLst/>
+          </a:prstGeom>
+          <a:noFill/>
+          <a:extLst>
+            <a:ext uri="{909E8E84-426E-40DD-AFC4-6F175D3DCCD1}">
+              <a14:hiddenFill xmlns:a14="http://schemas.microsoft.com/office/drawing/2010/main">
+                <a:solidFill>
+                  <a:srgbClr val="FFFFFF"/>
+                </a:solidFill>
+              </a14:hiddenFill>
+            </a:ext>
+          </a:extLst>
+        </p:spPr>
+      </p:pic>
     </p:spTree>
     <p:extLst>
       <p:ext uri="{BB962C8B-B14F-4D97-AF65-F5344CB8AC3E}">
@@ -4332,6 +4564,14 @@
 <file path=ppt/slides/slide3.xml><?xml version="1.0" encoding="utf-8"?>
 <p:sld xmlns:a="http://schemas.openxmlformats.org/drawingml/2006/main" xmlns:r="http://schemas.openxmlformats.org/officeDocument/2006/relationships" xmlns:p="http://schemas.openxmlformats.org/presentationml/2006/main">
   <p:cSld>
+    <p:bg>
+      <p:bgPr>
+        <a:solidFill>
+          <a:schemeClr val="bg1"/>
+        </a:solidFill>
+        <a:effectLst/>
+      </p:bgPr>
+    </p:bg>
     <p:spTree>
       <p:nvGrpSpPr>
         <p:cNvPr id="1" name=""/>
@@ -4362,12 +4602,22 @@
             <p:ph type="title"/>
           </p:nvPr>
         </p:nvSpPr>
-        <p:spPr/>
-        <p:txBody>
-          <a:bodyPr/>
+        <p:spPr>
+          <a:xfrm>
+            <a:off x="1097280" y="286603"/>
+            <a:ext cx="10058400" cy="1450757"/>
+          </a:xfrm>
+        </p:spPr>
+        <p:txBody>
+          <a:bodyPr>
+            <a:normAutofit/>
+          </a:bodyPr>
           <a:lstStyle/>
           <a:p>
-            <a:endParaRPr lang="en-US"/>
+            <a:r>
+              <a:rPr lang="en-US"/>
+              <a:t>Dense Prediction and MLT</a:t>
+            </a:r>
           </a:p>
         </p:txBody>
       </p:sp>
@@ -4387,15 +4637,83 @@
             <p:ph idx="1"/>
           </p:nvPr>
         </p:nvSpPr>
-        <p:spPr/>
-        <p:txBody>
-          <a:bodyPr/>
+        <p:spPr>
+          <a:xfrm>
+            <a:off x="1097279" y="1845734"/>
+            <a:ext cx="6454987" cy="4023360"/>
+          </a:xfrm>
+        </p:spPr>
+        <p:txBody>
+          <a:bodyPr>
+            <a:normAutofit/>
+          </a:bodyPr>
           <a:lstStyle/>
           <a:p>
-            <a:endParaRPr lang="en-US"/>
-          </a:p>
-        </p:txBody>
-      </p:sp>
+            <a:r>
+              <a:rPr lang="en-US" dirty="0"/>
+              <a:t>Dense Prediction refers to predicting different outputs at a pixel level, thereby producing a ‘dense’ output.</a:t>
+            </a:r>
+          </a:p>
+          <a:p>
+            <a:r>
+              <a:rPr lang="en-US" dirty="0"/>
+              <a:t>Example – Model identifies Gleason pattern which indicates abnormalities at a pixel level</a:t>
+            </a:r>
+          </a:p>
+          <a:p>
+            <a:r>
+              <a:rPr lang="en-US" dirty="0"/>
+              <a:t>MLT allows for such costly operations to be performed at a much more cost-effective scale by learning a common representation and building over with task specific layers</a:t>
+            </a:r>
+          </a:p>
+        </p:txBody>
+      </p:sp>
+      <p:pic>
+        <p:nvPicPr>
+          <p:cNvPr id="2056" name="Picture 8">
+            <a:extLst>
+              <a:ext uri="{FF2B5EF4-FFF2-40B4-BE49-F238E27FC236}">
+                <a16:creationId xmlns:a16="http://schemas.microsoft.com/office/drawing/2014/main" id="{23ED333A-FF45-4B13-918A-71F175AE3230}"/>
+              </a:ext>
+            </a:extLst>
+          </p:cNvPr>
+          <p:cNvPicPr>
+            <a:picLocks noChangeAspect="1" noChangeArrowheads="1"/>
+          </p:cNvPicPr>
+          <p:nvPr/>
+        </p:nvPicPr>
+        <p:blipFill>
+          <a:blip r:embed="rId2">
+            <a:extLst>
+              <a:ext uri="{28A0092B-C50C-407E-A947-70E740481C1C}">
+                <a14:useLocalDpi xmlns:a14="http://schemas.microsoft.com/office/drawing/2010/main" val="0"/>
+              </a:ext>
+            </a:extLst>
+          </a:blip>
+          <a:stretch>
+            <a:fillRect/>
+          </a:stretch>
+        </p:blipFill>
+        <p:spPr bwMode="auto">
+          <a:xfrm>
+            <a:off x="8020570" y="2591419"/>
+            <a:ext cx="3135109" cy="2120809"/>
+          </a:xfrm>
+          <a:prstGeom prst="rect">
+            <a:avLst/>
+          </a:prstGeom>
+          <a:noFill/>
+          <a:extLst>
+            <a:ext uri="{909E8E84-426E-40DD-AFC4-6F175D3DCCD1}">
+              <a14:hiddenFill xmlns:a14="http://schemas.microsoft.com/office/drawing/2010/main">
+                <a:solidFill>
+                  <a:srgbClr val="FFFFFF"/>
+                </a:solidFill>
+              </a14:hiddenFill>
+            </a:ext>
+          </a:extLst>
+        </p:spPr>
+      </p:pic>
     </p:spTree>
     <p:extLst>
       <p:ext uri="{BB962C8B-B14F-4D97-AF65-F5344CB8AC3E}">
@@ -4447,35 +4765,85 @@
           <a:bodyPr/>
           <a:lstStyle/>
           <a:p>
-            <a:endParaRPr lang="en-US"/>
-          </a:p>
-        </p:txBody>
-      </p:sp>
-      <p:sp>
-        <p:nvSpPr>
-          <p:cNvPr id="3" name="Content Placeholder 2">
+            <a:r>
+              <a:rPr lang="en-US"/>
+              <a:t>Encoder-focused Architectures</a:t>
+            </a:r>
+            <a:endParaRPr lang="en-US" dirty="0"/>
+          </a:p>
+        </p:txBody>
+      </p:sp>
+      <p:pic>
+        <p:nvPicPr>
+          <p:cNvPr id="5" name="Content Placeholder 4" descr="Diagram&#10;&#10;Description automatically generated">
             <a:extLst>
               <a:ext uri="{FF2B5EF4-FFF2-40B4-BE49-F238E27FC236}">
-                <a16:creationId xmlns:a16="http://schemas.microsoft.com/office/drawing/2014/main" id="{33119840-0FAF-4BE2-81A7-AB63B768FFC0}"/>
+                <a16:creationId xmlns:a16="http://schemas.microsoft.com/office/drawing/2014/main" id="{6AA4062E-9925-45F7-BAA3-B8B5D9F7BD60}"/>
               </a:ext>
             </a:extLst>
           </p:cNvPr>
-          <p:cNvSpPr>
-            <a:spLocks noGrp="1"/>
-          </p:cNvSpPr>
+          <p:cNvPicPr>
+            <a:picLocks noGrp="1" noChangeAspect="1"/>
+          </p:cNvPicPr>
           <p:nvPr>
             <p:ph idx="1"/>
           </p:nvPr>
-        </p:nvSpPr>
-        <p:spPr/>
-        <p:txBody>
-          <a:bodyPr/>
-          <a:lstStyle/>
-          <a:p>
-            <a:endParaRPr lang="en-US"/>
-          </a:p>
-        </p:txBody>
-      </p:sp>
+        </p:nvPicPr>
+        <p:blipFill>
+          <a:blip r:embed="rId2">
+            <a:extLst>
+              <a:ext uri="{28A0092B-C50C-407E-A947-70E740481C1C}">
+                <a14:useLocalDpi xmlns:a14="http://schemas.microsoft.com/office/drawing/2010/main" val="0"/>
+              </a:ext>
+            </a:extLst>
+          </a:blip>
+          <a:stretch>
+            <a:fillRect/>
+          </a:stretch>
+        </p:blipFill>
+        <p:spPr>
+          <a:xfrm>
+            <a:off x="1192213" y="1767998"/>
+            <a:ext cx="3122612" cy="4371657"/>
+          </a:xfrm>
+        </p:spPr>
+      </p:pic>
+      <p:pic>
+        <p:nvPicPr>
+          <p:cNvPr id="7" name="Picture 6" descr="Diagram&#10;&#10;Description automatically generated">
+            <a:extLst>
+              <a:ext uri="{FF2B5EF4-FFF2-40B4-BE49-F238E27FC236}">
+                <a16:creationId xmlns:a16="http://schemas.microsoft.com/office/drawing/2014/main" id="{8888400C-0B9E-49C9-8FA2-8C045CA340EA}"/>
+              </a:ext>
+            </a:extLst>
+          </p:cNvPr>
+          <p:cNvPicPr>
+            <a:picLocks noChangeAspect="1"/>
+          </p:cNvPicPr>
+          <p:nvPr/>
+        </p:nvPicPr>
+        <p:blipFill>
+          <a:blip r:embed="rId3">
+            <a:extLst>
+              <a:ext uri="{28A0092B-C50C-407E-A947-70E740481C1C}">
+                <a14:useLocalDpi xmlns:a14="http://schemas.microsoft.com/office/drawing/2010/main" val="0"/>
+              </a:ext>
+            </a:extLst>
+          </a:blip>
+          <a:stretch>
+            <a:fillRect/>
+          </a:stretch>
+        </p:blipFill>
+        <p:spPr>
+          <a:xfrm>
+            <a:off x="7489771" y="1849753"/>
+            <a:ext cx="3338566" cy="4208146"/>
+          </a:xfrm>
+          <a:prstGeom prst="rect">
+            <a:avLst/>
+          </a:prstGeom>
+        </p:spPr>
+      </p:pic>
     </p:spTree>
     <p:extLst>
       <p:ext uri="{BB962C8B-B14F-4D97-AF65-F5344CB8AC3E}">
@@ -4527,35 +4895,84 @@
           <a:bodyPr/>
           <a:lstStyle/>
           <a:p>
-            <a:endParaRPr lang="en-US"/>
-          </a:p>
-        </p:txBody>
-      </p:sp>
-      <p:sp>
-        <p:nvSpPr>
-          <p:cNvPr id="3" name="Content Placeholder 2">
+            <a:r>
+              <a:rPr lang="en-US" dirty="0"/>
+              <a:t>Decoder-focused Architectures</a:t>
+            </a:r>
+          </a:p>
+        </p:txBody>
+      </p:sp>
+      <p:pic>
+        <p:nvPicPr>
+          <p:cNvPr id="5" name="Content Placeholder 4" descr="A picture containing diagram&#10;&#10;Description automatically generated">
             <a:extLst>
               <a:ext uri="{FF2B5EF4-FFF2-40B4-BE49-F238E27FC236}">
-                <a16:creationId xmlns:a16="http://schemas.microsoft.com/office/drawing/2014/main" id="{9C640AC1-2CDF-4908-AD1A-160775DCB653}"/>
+                <a16:creationId xmlns:a16="http://schemas.microsoft.com/office/drawing/2014/main" id="{041C3215-D4BB-4FC4-B926-99403C11513C}"/>
               </a:ext>
             </a:extLst>
           </p:cNvPr>
-          <p:cNvSpPr>
-            <a:spLocks noGrp="1"/>
-          </p:cNvSpPr>
+          <p:cNvPicPr>
+            <a:picLocks noGrp="1" noChangeAspect="1"/>
+          </p:cNvPicPr>
           <p:nvPr>
             <p:ph idx="1"/>
           </p:nvPr>
-        </p:nvSpPr>
-        <p:spPr/>
-        <p:txBody>
-          <a:bodyPr/>
-          <a:lstStyle/>
-          <a:p>
-            <a:endParaRPr lang="en-US"/>
-          </a:p>
-        </p:txBody>
-      </p:sp>
+        </p:nvPicPr>
+        <p:blipFill>
+          <a:blip r:embed="rId2">
+            <a:extLst>
+              <a:ext uri="{28A0092B-C50C-407E-A947-70E740481C1C}">
+                <a14:useLocalDpi xmlns:a14="http://schemas.microsoft.com/office/drawing/2010/main" val="0"/>
+              </a:ext>
+            </a:extLst>
+          </a:blip>
+          <a:stretch>
+            <a:fillRect/>
+          </a:stretch>
+        </p:blipFill>
+        <p:spPr>
+          <a:xfrm>
+            <a:off x="1187592" y="2047875"/>
+            <a:ext cx="3589020" cy="3657600"/>
+          </a:xfrm>
+        </p:spPr>
+      </p:pic>
+      <p:pic>
+        <p:nvPicPr>
+          <p:cNvPr id="7" name="Picture 6" descr="Diagram&#10;&#10;Description automatically generated">
+            <a:extLst>
+              <a:ext uri="{FF2B5EF4-FFF2-40B4-BE49-F238E27FC236}">
+                <a16:creationId xmlns:a16="http://schemas.microsoft.com/office/drawing/2014/main" id="{D0477B49-D6A5-49DE-B981-A93C4A4700CE}"/>
+              </a:ext>
+            </a:extLst>
+          </p:cNvPr>
+          <p:cNvPicPr>
+            <a:picLocks noChangeAspect="1"/>
+          </p:cNvPicPr>
+          <p:nvPr/>
+        </p:nvPicPr>
+        <p:blipFill>
+          <a:blip r:embed="rId3">
+            <a:extLst>
+              <a:ext uri="{28A0092B-C50C-407E-A947-70E740481C1C}">
+                <a14:useLocalDpi xmlns:a14="http://schemas.microsoft.com/office/drawing/2010/main" val="0"/>
+              </a:ext>
+            </a:extLst>
+          </a:blip>
+          <a:stretch>
+            <a:fillRect/>
+          </a:stretch>
+        </p:blipFill>
+        <p:spPr>
+          <a:xfrm>
+            <a:off x="6925039" y="2047874"/>
+            <a:ext cx="4361045" cy="3800475"/>
+          </a:xfrm>
+          <a:prstGeom prst="rect">
+            <a:avLst/>
+          </a:prstGeom>
+        </p:spPr>
+      </p:pic>
     </p:spTree>
     <p:extLst>
       <p:ext uri="{BB962C8B-B14F-4D97-AF65-F5344CB8AC3E}">
@@ -4570,6 +4987,339 @@
 </file>
 
 <file path=ppt/slides/slide6.xml><?xml version="1.0" encoding="utf-8"?>
+<p:sld xmlns:a="http://schemas.openxmlformats.org/drawingml/2006/main" xmlns:r="http://schemas.openxmlformats.org/officeDocument/2006/relationships" xmlns:p="http://schemas.openxmlformats.org/presentationml/2006/main">
+  <p:cSld>
+    <p:spTree>
+      <p:nvGrpSpPr>
+        <p:cNvPr id="1" name=""/>
+        <p:cNvGrpSpPr/>
+        <p:nvPr/>
+      </p:nvGrpSpPr>
+      <p:grpSpPr>
+        <a:xfrm>
+          <a:off x="0" y="0"/>
+          <a:ext cx="0" cy="0"/>
+          <a:chOff x="0" y="0"/>
+          <a:chExt cx="0" cy="0"/>
+        </a:xfrm>
+      </p:grpSpPr>
+      <p:sp>
+        <p:nvSpPr>
+          <p:cNvPr id="2" name="Title 1">
+            <a:extLst>
+              <a:ext uri="{FF2B5EF4-FFF2-40B4-BE49-F238E27FC236}">
+                <a16:creationId xmlns:a16="http://schemas.microsoft.com/office/drawing/2014/main" id="{9B82A18F-3DA8-49F1-B5CC-A1C580BBE85C}"/>
+              </a:ext>
+            </a:extLst>
+          </p:cNvPr>
+          <p:cNvSpPr>
+            <a:spLocks noGrp="1"/>
+          </p:cNvSpPr>
+          <p:nvPr>
+            <p:ph type="title"/>
+          </p:nvPr>
+        </p:nvSpPr>
+        <p:spPr/>
+        <p:txBody>
+          <a:bodyPr/>
+          <a:lstStyle/>
+          <a:p>
+            <a:endParaRPr lang="en-US"/>
+          </a:p>
+        </p:txBody>
+      </p:sp>
+      <p:pic>
+        <p:nvPicPr>
+          <p:cNvPr id="5" name="Content Placeholder 4" descr="Diagram&#10;&#10;Description automatically generated">
+            <a:extLst>
+              <a:ext uri="{FF2B5EF4-FFF2-40B4-BE49-F238E27FC236}">
+                <a16:creationId xmlns:a16="http://schemas.microsoft.com/office/drawing/2014/main" id="{30C9E837-323D-4DD1-B202-7E9EBC70E17A}"/>
+              </a:ext>
+            </a:extLst>
+          </p:cNvPr>
+          <p:cNvPicPr>
+            <a:picLocks noGrp="1" noChangeAspect="1"/>
+          </p:cNvPicPr>
+          <p:nvPr>
+            <p:ph idx="1"/>
+          </p:nvPr>
+        </p:nvPicPr>
+        <p:blipFill>
+          <a:blip r:embed="rId2">
+            <a:extLst>
+              <a:ext uri="{28A0092B-C50C-407E-A947-70E740481C1C}">
+                <a14:useLocalDpi xmlns:a14="http://schemas.microsoft.com/office/drawing/2010/main" val="0"/>
+              </a:ext>
+            </a:extLst>
+          </a:blip>
+          <a:stretch>
+            <a:fillRect/>
+          </a:stretch>
+        </p:blipFill>
+        <p:spPr>
+          <a:xfrm>
+            <a:off x="1097280" y="1883153"/>
+            <a:ext cx="6056449" cy="3933988"/>
+          </a:xfrm>
+        </p:spPr>
+      </p:pic>
+      <p:pic>
+        <p:nvPicPr>
+          <p:cNvPr id="7" name="Picture 6" descr="Diagram&#10;&#10;Description automatically generated">
+            <a:extLst>
+              <a:ext uri="{FF2B5EF4-FFF2-40B4-BE49-F238E27FC236}">
+                <a16:creationId xmlns:a16="http://schemas.microsoft.com/office/drawing/2014/main" id="{2B050711-6124-4866-B63E-2A669F6FC5FC}"/>
+              </a:ext>
+            </a:extLst>
+          </p:cNvPr>
+          <p:cNvPicPr>
+            <a:picLocks noChangeAspect="1"/>
+          </p:cNvPicPr>
+          <p:nvPr/>
+        </p:nvPicPr>
+        <p:blipFill>
+          <a:blip r:embed="rId3">
+            <a:extLst>
+              <a:ext uri="{28A0092B-C50C-407E-A947-70E740481C1C}">
+                <a14:useLocalDpi xmlns:a14="http://schemas.microsoft.com/office/drawing/2010/main" val="0"/>
+              </a:ext>
+            </a:extLst>
+          </a:blip>
+          <a:stretch>
+            <a:fillRect/>
+          </a:stretch>
+        </p:blipFill>
+        <p:spPr>
+          <a:xfrm>
+            <a:off x="7658100" y="1983772"/>
+            <a:ext cx="3497580" cy="3909060"/>
+          </a:xfrm>
+          <a:prstGeom prst="rect">
+            <a:avLst/>
+          </a:prstGeom>
+        </p:spPr>
+      </p:pic>
+    </p:spTree>
+    <p:extLst>
+      <p:ext uri="{BB962C8B-B14F-4D97-AF65-F5344CB8AC3E}">
+        <p14:creationId xmlns:p14="http://schemas.microsoft.com/office/powerpoint/2010/main" val="3933459078"/>
+      </p:ext>
+    </p:extLst>
+  </p:cSld>
+  <p:clrMapOvr>
+    <a:masterClrMapping/>
+  </p:clrMapOvr>
+</p:sld>
+</file>
+
+<file path=ppt/slides/slide7.xml><?xml version="1.0" encoding="utf-8"?>
+<p:sld xmlns:a="http://schemas.openxmlformats.org/drawingml/2006/main" xmlns:r="http://schemas.openxmlformats.org/officeDocument/2006/relationships" xmlns:p="http://schemas.openxmlformats.org/presentationml/2006/main">
+  <p:cSld>
+    <p:spTree>
+      <p:nvGrpSpPr>
+        <p:cNvPr id="1" name=""/>
+        <p:cNvGrpSpPr/>
+        <p:nvPr/>
+      </p:nvGrpSpPr>
+      <p:grpSpPr>
+        <a:xfrm>
+          <a:off x="0" y="0"/>
+          <a:ext cx="0" cy="0"/>
+          <a:chOff x="0" y="0"/>
+          <a:chExt cx="0" cy="0"/>
+        </a:xfrm>
+      </p:grpSpPr>
+      <p:sp>
+        <p:nvSpPr>
+          <p:cNvPr id="2" name="Title 1">
+            <a:extLst>
+              <a:ext uri="{FF2B5EF4-FFF2-40B4-BE49-F238E27FC236}">
+                <a16:creationId xmlns:a16="http://schemas.microsoft.com/office/drawing/2014/main" id="{0FCD1792-59C0-4533-AF3C-45B8F37ABA55}"/>
+              </a:ext>
+            </a:extLst>
+          </p:cNvPr>
+          <p:cNvSpPr>
+            <a:spLocks noGrp="1"/>
+          </p:cNvSpPr>
+          <p:nvPr>
+            <p:ph type="title"/>
+          </p:nvPr>
+        </p:nvSpPr>
+        <p:spPr/>
+        <p:txBody>
+          <a:bodyPr/>
+          <a:lstStyle/>
+          <a:p>
+            <a:r>
+              <a:rPr lang="en-US"/>
+              <a:t>Optimization Techniques</a:t>
+            </a:r>
+            <a:endParaRPr lang="en-US" dirty="0"/>
+          </a:p>
+        </p:txBody>
+      </p:sp>
+      <p:pic>
+        <p:nvPicPr>
+          <p:cNvPr id="5" name="Content Placeholder 4">
+            <a:extLst>
+              <a:ext uri="{FF2B5EF4-FFF2-40B4-BE49-F238E27FC236}">
+                <a16:creationId xmlns:a16="http://schemas.microsoft.com/office/drawing/2014/main" id="{69B9AEEE-D071-4267-8DA4-8E2D01BE1079}"/>
+              </a:ext>
+            </a:extLst>
+          </p:cNvPr>
+          <p:cNvPicPr>
+            <a:picLocks noGrp="1" noChangeAspect="1"/>
+          </p:cNvPicPr>
+          <p:nvPr>
+            <p:ph idx="1"/>
+          </p:nvPr>
+        </p:nvPicPr>
+        <p:blipFill>
+          <a:blip r:embed="rId2">
+            <a:extLst>
+              <a:ext uri="{28A0092B-C50C-407E-A947-70E740481C1C}">
+                <a14:useLocalDpi xmlns:a14="http://schemas.microsoft.com/office/drawing/2010/main" val="0"/>
+              </a:ext>
+            </a:extLst>
+          </a:blip>
+          <a:stretch>
+            <a:fillRect/>
+          </a:stretch>
+        </p:blipFill>
+        <p:spPr>
+          <a:xfrm>
+            <a:off x="968261" y="2133154"/>
+            <a:ext cx="10255478" cy="3240406"/>
+          </a:xfrm>
+        </p:spPr>
+      </p:pic>
+    </p:spTree>
+    <p:extLst>
+      <p:ext uri="{BB962C8B-B14F-4D97-AF65-F5344CB8AC3E}">
+        <p14:creationId xmlns:p14="http://schemas.microsoft.com/office/powerpoint/2010/main" val="2426693913"/>
+      </p:ext>
+    </p:extLst>
+  </p:cSld>
+  <p:clrMapOvr>
+    <a:masterClrMapping/>
+  </p:clrMapOvr>
+</p:sld>
+</file>
+
+<file path=ppt/slides/slide8.xml><?xml version="1.0" encoding="utf-8"?>
+<p:sld xmlns:a="http://schemas.openxmlformats.org/drawingml/2006/main" xmlns:r="http://schemas.openxmlformats.org/officeDocument/2006/relationships" xmlns:p="http://schemas.openxmlformats.org/presentationml/2006/main">
+  <p:cSld>
+    <p:spTree>
+      <p:nvGrpSpPr>
+        <p:cNvPr id="1" name=""/>
+        <p:cNvGrpSpPr/>
+        <p:nvPr/>
+      </p:nvGrpSpPr>
+      <p:grpSpPr>
+        <a:xfrm>
+          <a:off x="0" y="0"/>
+          <a:ext cx="0" cy="0"/>
+          <a:chOff x="0" y="0"/>
+          <a:chExt cx="0" cy="0"/>
+        </a:xfrm>
+      </p:grpSpPr>
+      <p:sp>
+        <p:nvSpPr>
+          <p:cNvPr id="2" name="Title 1">
+            <a:extLst>
+              <a:ext uri="{FF2B5EF4-FFF2-40B4-BE49-F238E27FC236}">
+                <a16:creationId xmlns:a16="http://schemas.microsoft.com/office/drawing/2014/main" id="{9EFB7365-EE50-4D42-A329-D1454730F5A1}"/>
+              </a:ext>
+            </a:extLst>
+          </p:cNvPr>
+          <p:cNvSpPr>
+            <a:spLocks noGrp="1"/>
+          </p:cNvSpPr>
+          <p:nvPr>
+            <p:ph type="title"/>
+          </p:nvPr>
+        </p:nvSpPr>
+        <p:spPr/>
+        <p:txBody>
+          <a:bodyPr/>
+          <a:lstStyle/>
+          <a:p>
+            <a:r>
+              <a:rPr lang="en-US" dirty="0"/>
+              <a:t>Results</a:t>
+            </a:r>
+          </a:p>
+        </p:txBody>
+      </p:sp>
+      <p:sp>
+        <p:nvSpPr>
+          <p:cNvPr id="3" name="Content Placeholder 2">
+            <a:extLst>
+              <a:ext uri="{FF2B5EF4-FFF2-40B4-BE49-F238E27FC236}">
+                <a16:creationId xmlns:a16="http://schemas.microsoft.com/office/drawing/2014/main" id="{BB0E73D7-D26E-46E2-9B54-55B978BA9BE0}"/>
+              </a:ext>
+            </a:extLst>
+          </p:cNvPr>
+          <p:cNvSpPr>
+            <a:spLocks noGrp="1"/>
+          </p:cNvSpPr>
+          <p:nvPr>
+            <p:ph idx="1"/>
+          </p:nvPr>
+        </p:nvSpPr>
+        <p:spPr/>
+        <p:txBody>
+          <a:bodyPr/>
+          <a:lstStyle/>
+          <a:p>
+            <a:endParaRPr lang="en-US"/>
+          </a:p>
+        </p:txBody>
+      </p:sp>
+      <p:pic>
+        <p:nvPicPr>
+          <p:cNvPr id="5" name="Picture 4">
+            <a:extLst>
+              <a:ext uri="{FF2B5EF4-FFF2-40B4-BE49-F238E27FC236}">
+                <a16:creationId xmlns:a16="http://schemas.microsoft.com/office/drawing/2014/main" id="{E08A36A7-1FD1-4A31-84AE-043092352E72}"/>
+              </a:ext>
+            </a:extLst>
+          </p:cNvPr>
+          <p:cNvPicPr>
+            <a:picLocks noChangeAspect="1"/>
+          </p:cNvPicPr>
+          <p:nvPr/>
+        </p:nvPicPr>
+        <p:blipFill>
+          <a:blip r:embed="rId2"/>
+          <a:stretch>
+            <a:fillRect/>
+          </a:stretch>
+        </p:blipFill>
+        <p:spPr>
+          <a:xfrm>
+            <a:off x="963767" y="1845734"/>
+            <a:ext cx="10191913" cy="3932496"/>
+          </a:xfrm>
+          <a:prstGeom prst="rect">
+            <a:avLst/>
+          </a:prstGeom>
+        </p:spPr>
+      </p:pic>
+    </p:spTree>
+    <p:extLst>
+      <p:ext uri="{BB962C8B-B14F-4D97-AF65-F5344CB8AC3E}">
+        <p14:creationId xmlns:p14="http://schemas.microsoft.com/office/powerpoint/2010/main" val="2000059155"/>
+      </p:ext>
+    </p:extLst>
+  </p:cSld>
+  <p:clrMapOvr>
+    <a:masterClrMapping/>
+  </p:clrMapOvr>
+</p:sld>
+</file>
+
+<file path=ppt/slides/slide9.xml><?xml version="1.0" encoding="utf-8"?>
 <p:sld xmlns:a="http://schemas.openxmlformats.org/drawingml/2006/main" xmlns:r="http://schemas.openxmlformats.org/officeDocument/2006/relationships" xmlns:p="http://schemas.openxmlformats.org/presentationml/2006/main">
   <p:cSld>
     <p:bg>
